--- a/slides/slide_2.pptx
+++ b/slides/slide_2.pptx
@@ -848,7 +848,7 @@
             <a:fld id="{B61BEF0D-F0BB-DE4B-95CE-6DB70DBA9567}" type="datetimeFigureOut">
               <a:rPr lang="en-US" dirty="0"/>
               <a:pPr/>
-              <a:t>6/4/2014</a:t>
+              <a:t>6/5/2014</a:t>
             </a:fld>
             <a:endParaRPr lang="en-US" dirty="0"/>
           </a:p>
@@ -1096,7 +1096,7 @@
             <a:fld id="{B61BEF0D-F0BB-DE4B-95CE-6DB70DBA9567}" type="datetimeFigureOut">
               <a:rPr lang="en-US" dirty="0"/>
               <a:pPr/>
-              <a:t>6/4/2014</a:t>
+              <a:t>6/5/2014</a:t>
             </a:fld>
             <a:endParaRPr lang="en-US" dirty="0"/>
           </a:p>
@@ -1407,7 +1407,7 @@
             <a:fld id="{B61BEF0D-F0BB-DE4B-95CE-6DB70DBA9567}" type="datetimeFigureOut">
               <a:rPr lang="en-US" dirty="0"/>
               <a:pPr/>
-              <a:t>6/4/2014</a:t>
+              <a:t>6/5/2014</a:t>
             </a:fld>
             <a:endParaRPr lang="en-US" dirty="0"/>
           </a:p>
@@ -1745,7 +1745,7 @@
             <a:fld id="{B61BEF0D-F0BB-DE4B-95CE-6DB70DBA9567}" type="datetimeFigureOut">
               <a:rPr lang="en-US" dirty="0"/>
               <a:pPr/>
-              <a:t>6/4/2014</a:t>
+              <a:t>6/5/2014</a:t>
             </a:fld>
             <a:endParaRPr lang="en-US" dirty="0"/>
           </a:p>
@@ -2056,7 +2056,7 @@
             <a:fld id="{B61BEF0D-F0BB-DE4B-95CE-6DB70DBA9567}" type="datetimeFigureOut">
               <a:rPr lang="en-US" dirty="0"/>
               <a:pPr/>
-              <a:t>6/4/2014</a:t>
+              <a:t>6/5/2014</a:t>
             </a:fld>
             <a:endParaRPr lang="en-US" dirty="0"/>
           </a:p>
@@ -2446,7 +2446,7 @@
             <a:fld id="{B61BEF0D-F0BB-DE4B-95CE-6DB70DBA9567}" type="datetimeFigureOut">
               <a:rPr lang="en-US" dirty="0"/>
               <a:pPr/>
-              <a:t>6/4/2014</a:t>
+              <a:t>6/5/2014</a:t>
             </a:fld>
             <a:endParaRPr lang="en-US" dirty="0"/>
           </a:p>
@@ -2644,7 +2644,7 @@
           <a:p>
             <a:fld id="{55C6B4A9-1611-4792-9094-5F34BCA07E0B}" type="datetimeFigureOut">
               <a:rPr lang="en-US" dirty="0"/>
-              <a:t>6/4/2014</a:t>
+              <a:t>6/5/2014</a:t>
             </a:fld>
             <a:endParaRPr lang="en-US" dirty="0"/>
           </a:p>
@@ -2852,7 +2852,7 @@
             <a:fld id="{B61BEF0D-F0BB-DE4B-95CE-6DB70DBA9567}" type="datetimeFigureOut">
               <a:rPr lang="en-US" dirty="0"/>
               <a:pPr/>
-              <a:t>6/4/2014</a:t>
+              <a:t>6/5/2014</a:t>
             </a:fld>
             <a:endParaRPr lang="en-US" dirty="0"/>
           </a:p>
@@ -3057,7 +3057,7 @@
             <a:fld id="{B61BEF0D-F0BB-DE4B-95CE-6DB70DBA9567}" type="datetimeFigureOut">
               <a:rPr lang="en-US" dirty="0"/>
               <a:pPr/>
-              <a:t>6/4/2014</a:t>
+              <a:t>6/5/2014</a:t>
             </a:fld>
             <a:endParaRPr lang="en-US" dirty="0"/>
           </a:p>
@@ -3301,7 +3301,7 @@
             <a:fld id="{B61BEF0D-F0BB-DE4B-95CE-6DB70DBA9567}" type="datetimeFigureOut">
               <a:rPr lang="en-US" dirty="0"/>
               <a:pPr/>
-              <a:t>6/4/2014</a:t>
+              <a:t>6/5/2014</a:t>
             </a:fld>
             <a:endParaRPr lang="en-US" dirty="0"/>
           </a:p>
@@ -3593,7 +3593,7 @@
           <a:p>
             <a:fld id="{EB712588-04B1-427B-82EE-E8DB90309F08}" type="datetimeFigureOut">
               <a:rPr lang="en-US" dirty="0"/>
-              <a:t>6/4/2014</a:t>
+              <a:t>6/5/2014</a:t>
             </a:fld>
             <a:endParaRPr lang="en-US" dirty="0"/>
           </a:p>
@@ -4027,7 +4027,7 @@
             <a:fld id="{B61BEF0D-F0BB-DE4B-95CE-6DB70DBA9567}" type="datetimeFigureOut">
               <a:rPr lang="en-US" dirty="0"/>
               <a:pPr/>
-              <a:t>6/4/2014</a:t>
+              <a:t>6/5/2014</a:t>
             </a:fld>
             <a:endParaRPr lang="en-US" dirty="0"/>
           </a:p>
@@ -4147,7 +4147,7 @@
             <a:fld id="{B61BEF0D-F0BB-DE4B-95CE-6DB70DBA9567}" type="datetimeFigureOut">
               <a:rPr lang="en-US" dirty="0"/>
               <a:pPr/>
-              <a:t>6/4/2014</a:t>
+              <a:t>6/5/2014</a:t>
             </a:fld>
             <a:endParaRPr lang="en-US" dirty="0"/>
           </a:p>
@@ -4239,7 +4239,7 @@
             <a:fld id="{B61BEF0D-F0BB-DE4B-95CE-6DB70DBA9567}" type="datetimeFigureOut">
               <a:rPr lang="en-US" dirty="0"/>
               <a:pPr/>
-              <a:t>6/4/2014</a:t>
+              <a:t>6/5/2014</a:t>
             </a:fld>
             <a:endParaRPr lang="en-US" dirty="0"/>
           </a:p>
@@ -4522,7 +4522,7 @@
           <a:p>
             <a:fld id="{42A54C80-263E-416B-A8E0-580EDEADCBDC}" type="datetimeFigureOut">
               <a:rPr lang="en-US" dirty="0"/>
-              <a:t>6/4/2014</a:t>
+              <a:t>6/5/2014</a:t>
             </a:fld>
             <a:endParaRPr lang="en-US" dirty="0"/>
           </a:p>
@@ -4781,7 +4781,7 @@
             <a:fld id="{B61BEF0D-F0BB-DE4B-95CE-6DB70DBA9567}" type="datetimeFigureOut">
               <a:rPr lang="en-US" dirty="0"/>
               <a:pPr/>
-              <a:t>6/4/2014</a:t>
+              <a:t>6/5/2014</a:t>
             </a:fld>
             <a:endParaRPr lang="en-US" dirty="0"/>
           </a:p>
@@ -5553,7 +5553,7 @@
             <a:fld id="{B61BEF0D-F0BB-DE4B-95CE-6DB70DBA9567}" type="datetimeFigureOut">
               <a:rPr lang="en-US" dirty="0"/>
               <a:pPr/>
-              <a:t>6/4/2014</a:t>
+              <a:t>6/5/2014</a:t>
             </a:fld>
             <a:endParaRPr lang="en-US" dirty="0"/>
           </a:p>
@@ -6591,11 +6591,7 @@
             </a:r>
             <a:r>
               <a:rPr lang="ja-JP" altLang="en-US" dirty="0" smtClean="0"/>
-              <a:t>，「式</a:t>
-            </a:r>
-            <a:r>
-              <a:rPr lang="ja-JP" altLang="en-US" dirty="0" smtClean="0"/>
-              <a:t>の</a:t>
+              <a:t>，「式の</a:t>
             </a:r>
             <a:r>
               <a:rPr lang="ja-JP" altLang="en-US" dirty="0"/>
@@ -6603,11 +6599,7 @@
             </a:r>
             <a:r>
               <a:rPr lang="ja-JP" altLang="en-US" dirty="0" smtClean="0"/>
-              <a:t>」関数など</a:t>
-            </a:r>
-            <a:r>
-              <a:rPr lang="ja-JP" altLang="en-US" dirty="0" smtClean="0"/>
-              <a:t>は仮想関数を使って書ける</a:t>
+              <a:t>」関数などは仮想関数を使って書ける</a:t>
             </a:r>
             <a:endParaRPr lang="en-US" altLang="ja-JP" dirty="0" smtClean="0"/>
           </a:p>
@@ -6811,7 +6803,67 @@
             </a:r>
             <a:r>
               <a:rPr lang="ja-JP" altLang="en-US" dirty="0" smtClean="0"/>
-              <a:t>のノードを保持できるようにしないといけないことに注意</a:t>
+              <a:t>のノードを保持できるようにしないといけないことに</a:t>
+            </a:r>
+            <a:r>
+              <a:rPr lang="ja-JP" altLang="en-US" dirty="0" smtClean="0"/>
+              <a:t>注意</a:t>
+            </a:r>
+            <a:endParaRPr lang="en-US" altLang="ja-JP" dirty="0" smtClean="0"/>
+          </a:p>
+          <a:p>
+            <a:pPr lvl="1"/>
+            <a:r>
+              <a:rPr lang="ja-JP" altLang="en-US" dirty="0"/>
+              <a:t>その</a:t>
+            </a:r>
+            <a:r>
+              <a:rPr lang="ja-JP" altLang="en-US" dirty="0" smtClean="0"/>
+              <a:t>ままやると </a:t>
+            </a:r>
+            <a:r>
+              <a:rPr lang="en-US" altLang="ja-JP" dirty="0" err="1" smtClean="0"/>
+              <a:t>lex</a:t>
+            </a:r>
+            <a:r>
+              <a:rPr lang="en-US" altLang="ja-JP" dirty="0" smtClean="0"/>
+              <a:t> </a:t>
+            </a:r>
+            <a:r>
+              <a:rPr lang="ja-JP" altLang="en-US" dirty="0" smtClean="0"/>
+              <a:t>のコンパイルで困る</a:t>
+            </a:r>
+            <a:endParaRPr lang="en-US" altLang="ja-JP" dirty="0" smtClean="0"/>
+          </a:p>
+          <a:p>
+            <a:pPr lvl="1"/>
+            <a:r>
+              <a:rPr lang="ja-JP" altLang="en-US" dirty="0"/>
+              <a:t>解決</a:t>
+            </a:r>
+            <a:r>
+              <a:rPr lang="ja-JP" altLang="en-US" dirty="0" smtClean="0"/>
+              <a:t>策</a:t>
+            </a:r>
+            <a:r>
+              <a:rPr lang="ja-JP" altLang="en-US" dirty="0"/>
+              <a:t>として</a:t>
+            </a:r>
+            <a:r>
+              <a:rPr lang="ja-JP" altLang="en-US" dirty="0" smtClean="0"/>
+              <a:t>は，ポインタを </a:t>
+            </a:r>
+            <a:r>
+              <a:rPr lang="en-US" altLang="ja-JP" dirty="0" smtClean="0"/>
+              <a:t>void * </a:t>
+            </a:r>
+            <a:r>
+              <a:rPr lang="ja-JP" altLang="en-US" dirty="0" err="1" smtClean="0"/>
+              <a:t>で保</a:t>
+            </a:r>
+            <a:r>
+              <a:rPr lang="ja-JP" altLang="en-US" smtClean="0"/>
+              <a:t>持する</a:t>
             </a:r>
             <a:endParaRPr lang="en-US" altLang="ja-JP" dirty="0" smtClean="0"/>
           </a:p>
@@ -7109,11 +7161,7 @@
             </a:r>
             <a:r>
               <a:rPr lang="ja-JP" altLang="en-US" dirty="0" smtClean="0"/>
-              <a:t>を設計</a:t>
-            </a:r>
-            <a:r>
-              <a:rPr lang="ja-JP" altLang="en-US" dirty="0" smtClean="0"/>
-              <a:t>しよう</a:t>
+              <a:t>を設計しよう</a:t>
             </a:r>
             <a:endParaRPr lang="en-US" altLang="ja-JP" dirty="0" smtClean="0"/>
           </a:p>
@@ -7210,11 +7258,7 @@
             </a:r>
             <a:r>
               <a:rPr lang="ja-JP" altLang="en-US" dirty="0" smtClean="0"/>
-              <a:t>を作成</a:t>
-            </a:r>
-            <a:r>
-              <a:rPr lang="ja-JP" altLang="en-US" dirty="0" smtClean="0"/>
-              <a:t>しよう</a:t>
+              <a:t>を作成しよう</a:t>
             </a:r>
             <a:endParaRPr lang="en-US" altLang="ja-JP" dirty="0" smtClean="0"/>
           </a:p>
@@ -7274,11 +7318,7 @@
             </a:r>
             <a:r>
               <a:rPr lang="ja-JP" altLang="en-US" dirty="0" smtClean="0"/>
-              <a:t>の内容を確認できるようになってデバッグがしやすく</a:t>
-            </a:r>
-            <a:r>
-              <a:rPr lang="ja-JP" altLang="en-US" dirty="0" smtClean="0"/>
-              <a:t>なる</a:t>
+              <a:t>の内容を確認できるようになってデバッグがしやすくなる</a:t>
             </a:r>
             <a:endParaRPr lang="en-US" altLang="ja-JP" dirty="0" smtClean="0"/>
           </a:p>
@@ -8759,11 +8799,7 @@
             </a:r>
             <a:r>
               <a:rPr lang="ja-JP" altLang="en-US" dirty="0" smtClean="0"/>
-              <a:t>を使うととても簡潔に表せます</a:t>
-            </a:r>
-            <a:r>
-              <a:rPr lang="ja-JP" altLang="en-US" dirty="0" smtClean="0"/>
-              <a:t>が</a:t>
+              <a:t>を使うととても簡潔に表せますが</a:t>
             </a:r>
             <a:r>
               <a:rPr lang="en-US" altLang="ja-JP" dirty="0" smtClean="0"/>
@@ -8773,11 +8809,7 @@
           <a:p>
             <a:r>
               <a:rPr lang="ja-JP" altLang="en-US" dirty="0" smtClean="0"/>
-              <a:t>ここ</a:t>
-            </a:r>
-            <a:r>
-              <a:rPr lang="ja-JP" altLang="en-US" dirty="0" smtClean="0"/>
-              <a:t>では </a:t>
+              <a:t>ここでは </a:t>
             </a:r>
             <a:r>
               <a:rPr lang="en-US" altLang="ja-JP" dirty="0" smtClean="0"/>
